--- a/Intro-OOP-in-CFML.pptx
+++ b/Intro-OOP-in-CFML.pptx
@@ -5473,6 +5473,74 @@
                 <a:ea typeface="DejaVu Sans"/>
               </a:rPr>
               <a:t>Do not use the this-scope for variables!</a:t>
+            </a:r>
+            <a:endParaRPr b="0" lang="en-US" sz="2200" spc="-1" strike="noStrike">
+              <a:latin typeface="Arial"/>
+            </a:endParaRPr>
+          </a:p>
+          <a:p>
+            <a:pPr lvl="1" marL="343080" indent="-343080">
+              <a:lnSpc>
+                <a:spcPct val="90000"/>
+              </a:lnSpc>
+              <a:spcBef>
+                <a:spcPts val="1001"/>
+              </a:spcBef>
+              <a:buClr>
+                <a:srgbClr val="595959"/>
+              </a:buClr>
+              <a:buFont typeface="Arial"/>
+              <a:buChar char="•"/>
+            </a:pPr>
+            <a:r>
+              <a:rPr b="0" lang="en-IN" sz="2200" spc="-1" strike="noStrike">
+                <a:solidFill>
+                  <a:srgbClr val="595959"/>
+                </a:solidFill>
+                <a:latin typeface="Calibri"/>
+                <a:ea typeface="DejaVu Sans"/>
+              </a:rPr>
+              <a:t>Use the </a:t>
+            </a:r>
+            <a:r>
+              <a:rPr b="0" lang="en-IN" sz="2200" spc="-1" strike="noStrike">
+                <a:solidFill>
+                  <a:srgbClr val="595959"/>
+                </a:solidFill>
+                <a:latin typeface="Courier New"/>
+                <a:ea typeface="DejaVu Sans"/>
+              </a:rPr>
+              <a:t>var</a:t>
+            </a:r>
+            <a:r>
+              <a:rPr b="0" lang="en-IN" sz="2200" spc="-1" strike="noStrike">
+                <a:solidFill>
+                  <a:srgbClr val="595959"/>
+                </a:solidFill>
+                <a:latin typeface="Calibri"/>
+                <a:ea typeface="DejaVu Sans"/>
+              </a:rPr>
+              <a:t> keyword or the </a:t>
+            </a:r>
+            <a:r>
+              <a:rPr b="0" lang="en-IN" sz="2200" spc="-1" strike="noStrike">
+                <a:solidFill>
+                  <a:srgbClr val="595959"/>
+                </a:solidFill>
+                <a:latin typeface="Courier New"/>
+                <a:ea typeface="DejaVu Sans"/>
+              </a:rPr>
+              <a:t>local</a:t>
+            </a:r>
+            <a:r>
+              <a:rPr b="0" lang="en-IN" sz="2200" spc="-1" strike="noStrike">
+                <a:solidFill>
+                  <a:srgbClr val="595959"/>
+                </a:solidFill>
+                <a:latin typeface="Calibri"/>
+                <a:ea typeface="DejaVu Sans"/>
+              </a:rPr>
+              <a:t> scope for variables inside a method</a:t>
             </a:r>
             <a:endParaRPr b="0" lang="en-US" sz="2200" spc="-1" strike="noStrike">
               <a:latin typeface="Arial"/>
@@ -10211,7 +10279,7 @@
                 <a:latin typeface="Calibri"/>
                 <a:ea typeface="DejaVu Sans"/>
               </a:rPr>
-              <a:t>Request an instance of an object</a:t>
+              <a:t>Find me on CFML slack chris-schmitz</a:t>
             </a:r>
             <a:endParaRPr b="0" lang="en-US" sz="2200" spc="-1" strike="noStrike">
               <a:latin typeface="Arial"/>
